--- a/ppt 16-9/0743.把你的人生交给.pptx
+++ b/ppt 16-9/0743.把你的人生交给.pptx
@@ -129,7 +129,7 @@
           <p:cNvPr id="2" name="标题 1">
             <a:extLst>
               <a:ext uri="{FF2B5EF4-FFF2-40B4-BE49-F238E27FC236}">
-                <a16:creationId xmlns:a16="http://schemas.microsoft.com/office/drawing/2014/main" id="{C58C1704-6E9D-0FE7-8012-3B3497B7363F}"/>
+                <a16:creationId xmlns:a16="http://schemas.microsoft.com/office/drawing/2014/main" id="{B8CB7A06-197D-7591-EFDD-65EFF6FBF319}"/>
               </a:ext>
             </a:extLst>
           </p:cNvPr>
@@ -166,7 +166,7 @@
           <p:cNvPr id="3" name="副标题 2">
             <a:extLst>
               <a:ext uri="{FF2B5EF4-FFF2-40B4-BE49-F238E27FC236}">
-                <a16:creationId xmlns:a16="http://schemas.microsoft.com/office/drawing/2014/main" id="{A4039654-FBB9-CB48-90D9-07A99B4E8F3E}"/>
+                <a16:creationId xmlns:a16="http://schemas.microsoft.com/office/drawing/2014/main" id="{C079FDB4-FEAF-5F4B-8046-87880B17A2EE}"/>
               </a:ext>
             </a:extLst>
           </p:cNvPr>
@@ -236,7 +236,7 @@
           <p:cNvPr id="4" name="日期占位符 3">
             <a:extLst>
               <a:ext uri="{FF2B5EF4-FFF2-40B4-BE49-F238E27FC236}">
-                <a16:creationId xmlns:a16="http://schemas.microsoft.com/office/drawing/2014/main" id="{6817658D-355D-918B-A9E4-E246B6686AD3}"/>
+                <a16:creationId xmlns:a16="http://schemas.microsoft.com/office/drawing/2014/main" id="{661488D2-11A4-0BF4-D111-F70DC20434B2}"/>
               </a:ext>
             </a:extLst>
           </p:cNvPr>
@@ -252,7 +252,7 @@
           <a:bodyPr/>
           <a:lstStyle/>
           <a:p>
-            <a:fld id="{2587D383-6CA6-4CFA-B05F-C47A87169093}" type="datetimeFigureOut">
+            <a:fld id="{A8B7B23F-72D3-43F8-B52F-9BDB2EAF2B0E}" type="datetimeFigureOut">
               <a:rPr lang="zh-CN" altLang="en-US" smtClean="0"/>
               <a:t>2024/3/10</a:t>
             </a:fld>
@@ -265,7 +265,7 @@
           <p:cNvPr id="5" name="页脚占位符 4">
             <a:extLst>
               <a:ext uri="{FF2B5EF4-FFF2-40B4-BE49-F238E27FC236}">
-                <a16:creationId xmlns:a16="http://schemas.microsoft.com/office/drawing/2014/main" id="{E03E4C20-638B-7CCC-9654-B43ED3EF58EF}"/>
+                <a16:creationId xmlns:a16="http://schemas.microsoft.com/office/drawing/2014/main" id="{CCF58462-22F9-AA59-0CCA-262C173A155B}"/>
               </a:ext>
             </a:extLst>
           </p:cNvPr>
@@ -290,7 +290,7 @@
           <p:cNvPr id="6" name="灯片编号占位符 5">
             <a:extLst>
               <a:ext uri="{FF2B5EF4-FFF2-40B4-BE49-F238E27FC236}">
-                <a16:creationId xmlns:a16="http://schemas.microsoft.com/office/drawing/2014/main" id="{52EF6F80-C8C9-14AF-8C99-DF8E77B9AADF}"/>
+                <a16:creationId xmlns:a16="http://schemas.microsoft.com/office/drawing/2014/main" id="{B820A07F-82A1-3BD3-AA7E-3F613A223A48}"/>
               </a:ext>
             </a:extLst>
           </p:cNvPr>
@@ -306,7 +306,7 @@
           <a:bodyPr/>
           <a:lstStyle/>
           <a:p>
-            <a:fld id="{DD75B309-9757-474B-8E2D-60DAE7788604}" type="slidenum">
+            <a:fld id="{B7A5AEC7-45EF-4AF5-B61B-C755C77E45B1}" type="slidenum">
               <a:rPr lang="zh-CN" altLang="en-US" smtClean="0"/>
               <a:t>‹#›</a:t>
             </a:fld>
@@ -317,7 +317,7 @@
     </p:spTree>
     <p:extLst>
       <p:ext uri="{BB962C8B-B14F-4D97-AF65-F5344CB8AC3E}">
-        <p14:creationId xmlns:p14="http://schemas.microsoft.com/office/powerpoint/2010/main" val="2433048848"/>
+        <p14:creationId xmlns:p14="http://schemas.microsoft.com/office/powerpoint/2010/main" val="3755018579"/>
       </p:ext>
     </p:extLst>
   </p:cSld>
@@ -349,7 +349,7 @@
           <p:cNvPr id="2" name="标题 1">
             <a:extLst>
               <a:ext uri="{FF2B5EF4-FFF2-40B4-BE49-F238E27FC236}">
-                <a16:creationId xmlns:a16="http://schemas.microsoft.com/office/drawing/2014/main" id="{31A047DC-E442-2B1F-A2F6-A2C11C730AC8}"/>
+                <a16:creationId xmlns:a16="http://schemas.microsoft.com/office/drawing/2014/main" id="{C4298B0A-4F1D-E90F-0297-7DD513C669CA}"/>
               </a:ext>
             </a:extLst>
           </p:cNvPr>
@@ -377,7 +377,7 @@
           <p:cNvPr id="3" name="竖排文字占位符 2">
             <a:extLst>
               <a:ext uri="{FF2B5EF4-FFF2-40B4-BE49-F238E27FC236}">
-                <a16:creationId xmlns:a16="http://schemas.microsoft.com/office/drawing/2014/main" id="{18358A24-9630-EB8C-598E-BAEA83698C07}"/>
+                <a16:creationId xmlns:a16="http://schemas.microsoft.com/office/drawing/2014/main" id="{1E22B92F-09A3-0001-3AC1-1865B1370FD7}"/>
               </a:ext>
             </a:extLst>
           </p:cNvPr>
@@ -434,7 +434,7 @@
           <p:cNvPr id="4" name="日期占位符 3">
             <a:extLst>
               <a:ext uri="{FF2B5EF4-FFF2-40B4-BE49-F238E27FC236}">
-                <a16:creationId xmlns:a16="http://schemas.microsoft.com/office/drawing/2014/main" id="{B8D5C77A-912D-6C42-7E54-C01D0ADB7642}"/>
+                <a16:creationId xmlns:a16="http://schemas.microsoft.com/office/drawing/2014/main" id="{8337AE30-E674-FB8E-151E-A2B7F31A0C79}"/>
               </a:ext>
             </a:extLst>
           </p:cNvPr>
@@ -450,7 +450,7 @@
           <a:bodyPr/>
           <a:lstStyle/>
           <a:p>
-            <a:fld id="{2587D383-6CA6-4CFA-B05F-C47A87169093}" type="datetimeFigureOut">
+            <a:fld id="{A8B7B23F-72D3-43F8-B52F-9BDB2EAF2B0E}" type="datetimeFigureOut">
               <a:rPr lang="zh-CN" altLang="en-US" smtClean="0"/>
               <a:t>2024/3/10</a:t>
             </a:fld>
@@ -463,7 +463,7 @@
           <p:cNvPr id="5" name="页脚占位符 4">
             <a:extLst>
               <a:ext uri="{FF2B5EF4-FFF2-40B4-BE49-F238E27FC236}">
-                <a16:creationId xmlns:a16="http://schemas.microsoft.com/office/drawing/2014/main" id="{5DFD168E-A61E-1905-62D0-FACB49F9C51D}"/>
+                <a16:creationId xmlns:a16="http://schemas.microsoft.com/office/drawing/2014/main" id="{68823E57-F098-7342-EFE3-B42DCFB6F578}"/>
               </a:ext>
             </a:extLst>
           </p:cNvPr>
@@ -488,7 +488,7 @@
           <p:cNvPr id="6" name="灯片编号占位符 5">
             <a:extLst>
               <a:ext uri="{FF2B5EF4-FFF2-40B4-BE49-F238E27FC236}">
-                <a16:creationId xmlns:a16="http://schemas.microsoft.com/office/drawing/2014/main" id="{1096A4E1-E8D5-084D-E9BE-400B77B7A137}"/>
+                <a16:creationId xmlns:a16="http://schemas.microsoft.com/office/drawing/2014/main" id="{418B0DEC-D1F0-6414-F7BE-1E835D90C00E}"/>
               </a:ext>
             </a:extLst>
           </p:cNvPr>
@@ -504,7 +504,7 @@
           <a:bodyPr/>
           <a:lstStyle/>
           <a:p>
-            <a:fld id="{DD75B309-9757-474B-8E2D-60DAE7788604}" type="slidenum">
+            <a:fld id="{B7A5AEC7-45EF-4AF5-B61B-C755C77E45B1}" type="slidenum">
               <a:rPr lang="zh-CN" altLang="en-US" smtClean="0"/>
               <a:t>‹#›</a:t>
             </a:fld>
@@ -515,7 +515,7 @@
     </p:spTree>
     <p:extLst>
       <p:ext uri="{BB962C8B-B14F-4D97-AF65-F5344CB8AC3E}">
-        <p14:creationId xmlns:p14="http://schemas.microsoft.com/office/powerpoint/2010/main" val="2122905920"/>
+        <p14:creationId xmlns:p14="http://schemas.microsoft.com/office/powerpoint/2010/main" val="1698507622"/>
       </p:ext>
     </p:extLst>
   </p:cSld>
@@ -547,7 +547,7 @@
           <p:cNvPr id="2" name="竖排标题 1">
             <a:extLst>
               <a:ext uri="{FF2B5EF4-FFF2-40B4-BE49-F238E27FC236}">
-                <a16:creationId xmlns:a16="http://schemas.microsoft.com/office/drawing/2014/main" id="{95AF0F8F-A965-2B79-0801-12E6E02373E6}"/>
+                <a16:creationId xmlns:a16="http://schemas.microsoft.com/office/drawing/2014/main" id="{9A8DB2EF-B7E0-7E81-5B00-1449060ED7A7}"/>
               </a:ext>
             </a:extLst>
           </p:cNvPr>
@@ -580,7 +580,7 @@
           <p:cNvPr id="3" name="竖排文字占位符 2">
             <a:extLst>
               <a:ext uri="{FF2B5EF4-FFF2-40B4-BE49-F238E27FC236}">
-                <a16:creationId xmlns:a16="http://schemas.microsoft.com/office/drawing/2014/main" id="{4D933C08-2B31-8CC2-7907-645F2B4AB28B}"/>
+                <a16:creationId xmlns:a16="http://schemas.microsoft.com/office/drawing/2014/main" id="{A4567511-F6B2-E2C5-2723-8AA0363FD642}"/>
               </a:ext>
             </a:extLst>
           </p:cNvPr>
@@ -642,7 +642,7 @@
           <p:cNvPr id="4" name="日期占位符 3">
             <a:extLst>
               <a:ext uri="{FF2B5EF4-FFF2-40B4-BE49-F238E27FC236}">
-                <a16:creationId xmlns:a16="http://schemas.microsoft.com/office/drawing/2014/main" id="{C3F711A1-2185-29B4-AB82-5710F37B06E4}"/>
+                <a16:creationId xmlns:a16="http://schemas.microsoft.com/office/drawing/2014/main" id="{4EACF043-FE55-E824-DB20-BC5597720CA3}"/>
               </a:ext>
             </a:extLst>
           </p:cNvPr>
@@ -658,7 +658,7 @@
           <a:bodyPr/>
           <a:lstStyle/>
           <a:p>
-            <a:fld id="{2587D383-6CA6-4CFA-B05F-C47A87169093}" type="datetimeFigureOut">
+            <a:fld id="{A8B7B23F-72D3-43F8-B52F-9BDB2EAF2B0E}" type="datetimeFigureOut">
               <a:rPr lang="zh-CN" altLang="en-US" smtClean="0"/>
               <a:t>2024/3/10</a:t>
             </a:fld>
@@ -671,7 +671,7 @@
           <p:cNvPr id="5" name="页脚占位符 4">
             <a:extLst>
               <a:ext uri="{FF2B5EF4-FFF2-40B4-BE49-F238E27FC236}">
-                <a16:creationId xmlns:a16="http://schemas.microsoft.com/office/drawing/2014/main" id="{6DA274F8-CF02-1F8D-109D-29EF3D3AC4FB}"/>
+                <a16:creationId xmlns:a16="http://schemas.microsoft.com/office/drawing/2014/main" id="{EF44ED4B-4344-568E-61E4-0CB7F56F1C62}"/>
               </a:ext>
             </a:extLst>
           </p:cNvPr>
@@ -696,7 +696,7 @@
           <p:cNvPr id="6" name="灯片编号占位符 5">
             <a:extLst>
               <a:ext uri="{FF2B5EF4-FFF2-40B4-BE49-F238E27FC236}">
-                <a16:creationId xmlns:a16="http://schemas.microsoft.com/office/drawing/2014/main" id="{94F5DF0B-B588-0ACF-2BB0-DE549257D7F0}"/>
+                <a16:creationId xmlns:a16="http://schemas.microsoft.com/office/drawing/2014/main" id="{48317942-DEF0-2102-6EF6-83D0EBB1BA7C}"/>
               </a:ext>
             </a:extLst>
           </p:cNvPr>
@@ -712,7 +712,7 @@
           <a:bodyPr/>
           <a:lstStyle/>
           <a:p>
-            <a:fld id="{DD75B309-9757-474B-8E2D-60DAE7788604}" type="slidenum">
+            <a:fld id="{B7A5AEC7-45EF-4AF5-B61B-C755C77E45B1}" type="slidenum">
               <a:rPr lang="zh-CN" altLang="en-US" smtClean="0"/>
               <a:t>‹#›</a:t>
             </a:fld>
@@ -723,7 +723,7 @@
     </p:spTree>
     <p:extLst>
       <p:ext uri="{BB962C8B-B14F-4D97-AF65-F5344CB8AC3E}">
-        <p14:creationId xmlns:p14="http://schemas.microsoft.com/office/powerpoint/2010/main" val="3606953650"/>
+        <p14:creationId xmlns:p14="http://schemas.microsoft.com/office/powerpoint/2010/main" val="3332036855"/>
       </p:ext>
     </p:extLst>
   </p:cSld>
@@ -755,7 +755,7 @@
           <p:cNvPr id="2" name="标题 1">
             <a:extLst>
               <a:ext uri="{FF2B5EF4-FFF2-40B4-BE49-F238E27FC236}">
-                <a16:creationId xmlns:a16="http://schemas.microsoft.com/office/drawing/2014/main" id="{0E70DCC8-0B45-8BF9-081B-7F6383612CDC}"/>
+                <a16:creationId xmlns:a16="http://schemas.microsoft.com/office/drawing/2014/main" id="{A4EADEB6-AA39-8330-1DB4-A1FFD377598C}"/>
               </a:ext>
             </a:extLst>
           </p:cNvPr>
@@ -783,7 +783,7 @@
           <p:cNvPr id="3" name="内容占位符 2">
             <a:extLst>
               <a:ext uri="{FF2B5EF4-FFF2-40B4-BE49-F238E27FC236}">
-                <a16:creationId xmlns:a16="http://schemas.microsoft.com/office/drawing/2014/main" id="{9BCE86CF-FE1B-0843-904A-FA5295D9A45F}"/>
+                <a16:creationId xmlns:a16="http://schemas.microsoft.com/office/drawing/2014/main" id="{C217FCA5-67B7-C15E-F59D-4CEB5FC726AF}"/>
               </a:ext>
             </a:extLst>
           </p:cNvPr>
@@ -840,7 +840,7 @@
           <p:cNvPr id="4" name="日期占位符 3">
             <a:extLst>
               <a:ext uri="{FF2B5EF4-FFF2-40B4-BE49-F238E27FC236}">
-                <a16:creationId xmlns:a16="http://schemas.microsoft.com/office/drawing/2014/main" id="{05FF69DA-D9E6-843B-FE85-87C813B5E49B}"/>
+                <a16:creationId xmlns:a16="http://schemas.microsoft.com/office/drawing/2014/main" id="{CFE72AEC-561E-5213-A3CF-93DD941339DE}"/>
               </a:ext>
             </a:extLst>
           </p:cNvPr>
@@ -856,7 +856,7 @@
           <a:bodyPr/>
           <a:lstStyle/>
           <a:p>
-            <a:fld id="{2587D383-6CA6-4CFA-B05F-C47A87169093}" type="datetimeFigureOut">
+            <a:fld id="{A8B7B23F-72D3-43F8-B52F-9BDB2EAF2B0E}" type="datetimeFigureOut">
               <a:rPr lang="zh-CN" altLang="en-US" smtClean="0"/>
               <a:t>2024/3/10</a:t>
             </a:fld>
@@ -869,7 +869,7 @@
           <p:cNvPr id="5" name="页脚占位符 4">
             <a:extLst>
               <a:ext uri="{FF2B5EF4-FFF2-40B4-BE49-F238E27FC236}">
-                <a16:creationId xmlns:a16="http://schemas.microsoft.com/office/drawing/2014/main" id="{2F46D0AE-5D1A-DF7B-1576-928E182E0D17}"/>
+                <a16:creationId xmlns:a16="http://schemas.microsoft.com/office/drawing/2014/main" id="{D3CC8084-5C5D-6972-B453-B9EE86D8FCD3}"/>
               </a:ext>
             </a:extLst>
           </p:cNvPr>
@@ -894,7 +894,7 @@
           <p:cNvPr id="6" name="灯片编号占位符 5">
             <a:extLst>
               <a:ext uri="{FF2B5EF4-FFF2-40B4-BE49-F238E27FC236}">
-                <a16:creationId xmlns:a16="http://schemas.microsoft.com/office/drawing/2014/main" id="{7BB2C8C6-4777-D20E-1AFE-A3195858E53E}"/>
+                <a16:creationId xmlns:a16="http://schemas.microsoft.com/office/drawing/2014/main" id="{483C7948-8042-BD41-4177-617CD4C0830A}"/>
               </a:ext>
             </a:extLst>
           </p:cNvPr>
@@ -910,7 +910,7 @@
           <a:bodyPr/>
           <a:lstStyle/>
           <a:p>
-            <a:fld id="{DD75B309-9757-474B-8E2D-60DAE7788604}" type="slidenum">
+            <a:fld id="{B7A5AEC7-45EF-4AF5-B61B-C755C77E45B1}" type="slidenum">
               <a:rPr lang="zh-CN" altLang="en-US" smtClean="0"/>
               <a:t>‹#›</a:t>
             </a:fld>
@@ -921,7 +921,7 @@
     </p:spTree>
     <p:extLst>
       <p:ext uri="{BB962C8B-B14F-4D97-AF65-F5344CB8AC3E}">
-        <p14:creationId xmlns:p14="http://schemas.microsoft.com/office/powerpoint/2010/main" val="2804308566"/>
+        <p14:creationId xmlns:p14="http://schemas.microsoft.com/office/powerpoint/2010/main" val="3007410465"/>
       </p:ext>
     </p:extLst>
   </p:cSld>
@@ -953,7 +953,7 @@
           <p:cNvPr id="2" name="标题 1">
             <a:extLst>
               <a:ext uri="{FF2B5EF4-FFF2-40B4-BE49-F238E27FC236}">
-                <a16:creationId xmlns:a16="http://schemas.microsoft.com/office/drawing/2014/main" id="{928EB509-3617-69DD-DD2F-F209034CE1B8}"/>
+                <a16:creationId xmlns:a16="http://schemas.microsoft.com/office/drawing/2014/main" id="{3A741ADF-D7C8-EC57-24FC-EFD451719BE5}"/>
               </a:ext>
             </a:extLst>
           </p:cNvPr>
@@ -990,7 +990,7 @@
           <p:cNvPr id="3" name="文本占位符 2">
             <a:extLst>
               <a:ext uri="{FF2B5EF4-FFF2-40B4-BE49-F238E27FC236}">
-                <a16:creationId xmlns:a16="http://schemas.microsoft.com/office/drawing/2014/main" id="{82BA40C2-DB87-F931-9116-39A84A36AE3D}"/>
+                <a16:creationId xmlns:a16="http://schemas.microsoft.com/office/drawing/2014/main" id="{135A12B0-6DA5-8176-30FC-C868F8CD65A2}"/>
               </a:ext>
             </a:extLst>
           </p:cNvPr>
@@ -1115,7 +1115,7 @@
           <p:cNvPr id="4" name="日期占位符 3">
             <a:extLst>
               <a:ext uri="{FF2B5EF4-FFF2-40B4-BE49-F238E27FC236}">
-                <a16:creationId xmlns:a16="http://schemas.microsoft.com/office/drawing/2014/main" id="{E8EC9458-8319-3431-1635-133C9E7BF8B1}"/>
+                <a16:creationId xmlns:a16="http://schemas.microsoft.com/office/drawing/2014/main" id="{FDBE1A21-6B92-F3C2-2D74-815B3A0CA979}"/>
               </a:ext>
             </a:extLst>
           </p:cNvPr>
@@ -1131,7 +1131,7 @@
           <a:bodyPr/>
           <a:lstStyle/>
           <a:p>
-            <a:fld id="{2587D383-6CA6-4CFA-B05F-C47A87169093}" type="datetimeFigureOut">
+            <a:fld id="{A8B7B23F-72D3-43F8-B52F-9BDB2EAF2B0E}" type="datetimeFigureOut">
               <a:rPr lang="zh-CN" altLang="en-US" smtClean="0"/>
               <a:t>2024/3/10</a:t>
             </a:fld>
@@ -1144,7 +1144,7 @@
           <p:cNvPr id="5" name="页脚占位符 4">
             <a:extLst>
               <a:ext uri="{FF2B5EF4-FFF2-40B4-BE49-F238E27FC236}">
-                <a16:creationId xmlns:a16="http://schemas.microsoft.com/office/drawing/2014/main" id="{353033CD-09A0-3CE3-B904-B779DEA31F16}"/>
+                <a16:creationId xmlns:a16="http://schemas.microsoft.com/office/drawing/2014/main" id="{71917566-0DF7-ED61-8872-39168C2C5027}"/>
               </a:ext>
             </a:extLst>
           </p:cNvPr>
@@ -1169,7 +1169,7 @@
           <p:cNvPr id="6" name="灯片编号占位符 5">
             <a:extLst>
               <a:ext uri="{FF2B5EF4-FFF2-40B4-BE49-F238E27FC236}">
-                <a16:creationId xmlns:a16="http://schemas.microsoft.com/office/drawing/2014/main" id="{30F897E9-1697-6499-AF82-FC25FB3F44E6}"/>
+                <a16:creationId xmlns:a16="http://schemas.microsoft.com/office/drawing/2014/main" id="{86D1F624-64B3-43B3-94D2-21C91A6D0CDC}"/>
               </a:ext>
             </a:extLst>
           </p:cNvPr>
@@ -1185,7 +1185,7 @@
           <a:bodyPr/>
           <a:lstStyle/>
           <a:p>
-            <a:fld id="{DD75B309-9757-474B-8E2D-60DAE7788604}" type="slidenum">
+            <a:fld id="{B7A5AEC7-45EF-4AF5-B61B-C755C77E45B1}" type="slidenum">
               <a:rPr lang="zh-CN" altLang="en-US" smtClean="0"/>
               <a:t>‹#›</a:t>
             </a:fld>
@@ -1196,7 +1196,7 @@
     </p:spTree>
     <p:extLst>
       <p:ext uri="{BB962C8B-B14F-4D97-AF65-F5344CB8AC3E}">
-        <p14:creationId xmlns:p14="http://schemas.microsoft.com/office/powerpoint/2010/main" val="2130986278"/>
+        <p14:creationId xmlns:p14="http://schemas.microsoft.com/office/powerpoint/2010/main" val="3816471417"/>
       </p:ext>
     </p:extLst>
   </p:cSld>
@@ -1228,7 +1228,7 @@
           <p:cNvPr id="2" name="标题 1">
             <a:extLst>
               <a:ext uri="{FF2B5EF4-FFF2-40B4-BE49-F238E27FC236}">
-                <a16:creationId xmlns:a16="http://schemas.microsoft.com/office/drawing/2014/main" id="{06CA28F6-9D7C-6109-60E7-0FB4D32DAC5E}"/>
+                <a16:creationId xmlns:a16="http://schemas.microsoft.com/office/drawing/2014/main" id="{843B7F6E-BA54-A48A-67FF-B4807E04270C}"/>
               </a:ext>
             </a:extLst>
           </p:cNvPr>
@@ -1256,7 +1256,7 @@
           <p:cNvPr id="3" name="内容占位符 2">
             <a:extLst>
               <a:ext uri="{FF2B5EF4-FFF2-40B4-BE49-F238E27FC236}">
-                <a16:creationId xmlns:a16="http://schemas.microsoft.com/office/drawing/2014/main" id="{EA764C10-F8C1-7BEB-99FC-BD49B5E6E4D4}"/>
+                <a16:creationId xmlns:a16="http://schemas.microsoft.com/office/drawing/2014/main" id="{771564B0-4805-A185-FA76-466B70617E6D}"/>
               </a:ext>
             </a:extLst>
           </p:cNvPr>
@@ -1318,7 +1318,7 @@
           <p:cNvPr id="4" name="内容占位符 3">
             <a:extLst>
               <a:ext uri="{FF2B5EF4-FFF2-40B4-BE49-F238E27FC236}">
-                <a16:creationId xmlns:a16="http://schemas.microsoft.com/office/drawing/2014/main" id="{B6651BED-3BE6-EE0F-B162-504BA9D04B0C}"/>
+                <a16:creationId xmlns:a16="http://schemas.microsoft.com/office/drawing/2014/main" id="{17F8473B-590F-BA19-5F89-CE51CBF345DD}"/>
               </a:ext>
             </a:extLst>
           </p:cNvPr>
@@ -1380,7 +1380,7 @@
           <p:cNvPr id="5" name="日期占位符 4">
             <a:extLst>
               <a:ext uri="{FF2B5EF4-FFF2-40B4-BE49-F238E27FC236}">
-                <a16:creationId xmlns:a16="http://schemas.microsoft.com/office/drawing/2014/main" id="{076DC60D-1C5E-03CE-F6B8-88D89C98EF21}"/>
+                <a16:creationId xmlns:a16="http://schemas.microsoft.com/office/drawing/2014/main" id="{C37B4904-A7BC-F92F-D12D-C487428B3F9B}"/>
               </a:ext>
             </a:extLst>
           </p:cNvPr>
@@ -1396,7 +1396,7 @@
           <a:bodyPr/>
           <a:lstStyle/>
           <a:p>
-            <a:fld id="{2587D383-6CA6-4CFA-B05F-C47A87169093}" type="datetimeFigureOut">
+            <a:fld id="{A8B7B23F-72D3-43F8-B52F-9BDB2EAF2B0E}" type="datetimeFigureOut">
               <a:rPr lang="zh-CN" altLang="en-US" smtClean="0"/>
               <a:t>2024/3/10</a:t>
             </a:fld>
@@ -1409,7 +1409,7 @@
           <p:cNvPr id="6" name="页脚占位符 5">
             <a:extLst>
               <a:ext uri="{FF2B5EF4-FFF2-40B4-BE49-F238E27FC236}">
-                <a16:creationId xmlns:a16="http://schemas.microsoft.com/office/drawing/2014/main" id="{C5B4A295-4A9E-3993-073F-14CFF7E6CB7F}"/>
+                <a16:creationId xmlns:a16="http://schemas.microsoft.com/office/drawing/2014/main" id="{43F34B77-6E5C-5E64-36DF-7E7092589D5E}"/>
               </a:ext>
             </a:extLst>
           </p:cNvPr>
@@ -1434,7 +1434,7 @@
           <p:cNvPr id="7" name="灯片编号占位符 6">
             <a:extLst>
               <a:ext uri="{FF2B5EF4-FFF2-40B4-BE49-F238E27FC236}">
-                <a16:creationId xmlns:a16="http://schemas.microsoft.com/office/drawing/2014/main" id="{ADADF2A2-19FC-99CF-1B1C-5381FCE5995B}"/>
+                <a16:creationId xmlns:a16="http://schemas.microsoft.com/office/drawing/2014/main" id="{BDED9D3F-3525-A4CF-3F94-07365C8E3FF1}"/>
               </a:ext>
             </a:extLst>
           </p:cNvPr>
@@ -1450,7 +1450,7 @@
           <a:bodyPr/>
           <a:lstStyle/>
           <a:p>
-            <a:fld id="{DD75B309-9757-474B-8E2D-60DAE7788604}" type="slidenum">
+            <a:fld id="{B7A5AEC7-45EF-4AF5-B61B-C755C77E45B1}" type="slidenum">
               <a:rPr lang="zh-CN" altLang="en-US" smtClean="0"/>
               <a:t>‹#›</a:t>
             </a:fld>
@@ -1461,7 +1461,7 @@
     </p:spTree>
     <p:extLst>
       <p:ext uri="{BB962C8B-B14F-4D97-AF65-F5344CB8AC3E}">
-        <p14:creationId xmlns:p14="http://schemas.microsoft.com/office/powerpoint/2010/main" val="3246110386"/>
+        <p14:creationId xmlns:p14="http://schemas.microsoft.com/office/powerpoint/2010/main" val="3017057339"/>
       </p:ext>
     </p:extLst>
   </p:cSld>
@@ -1493,7 +1493,7 @@
           <p:cNvPr id="2" name="标题 1">
             <a:extLst>
               <a:ext uri="{FF2B5EF4-FFF2-40B4-BE49-F238E27FC236}">
-                <a16:creationId xmlns:a16="http://schemas.microsoft.com/office/drawing/2014/main" id="{2808E5A5-0B56-2647-77AC-39478D41ADF6}"/>
+                <a16:creationId xmlns:a16="http://schemas.microsoft.com/office/drawing/2014/main" id="{8C01FFFA-C8F1-A617-A3B4-88C927DD5E5F}"/>
               </a:ext>
             </a:extLst>
           </p:cNvPr>
@@ -1526,7 +1526,7 @@
           <p:cNvPr id="3" name="文本占位符 2">
             <a:extLst>
               <a:ext uri="{FF2B5EF4-FFF2-40B4-BE49-F238E27FC236}">
-                <a16:creationId xmlns:a16="http://schemas.microsoft.com/office/drawing/2014/main" id="{CA5FCDB3-EF12-F3FE-EDEB-12824FBCE4F8}"/>
+                <a16:creationId xmlns:a16="http://schemas.microsoft.com/office/drawing/2014/main" id="{5772F971-2934-1F3D-45CA-888DDE6E6098}"/>
               </a:ext>
             </a:extLst>
           </p:cNvPr>
@@ -1597,7 +1597,7 @@
           <p:cNvPr id="4" name="内容占位符 3">
             <a:extLst>
               <a:ext uri="{FF2B5EF4-FFF2-40B4-BE49-F238E27FC236}">
-                <a16:creationId xmlns:a16="http://schemas.microsoft.com/office/drawing/2014/main" id="{FB8CFB21-1F6D-286C-DA70-21D9A773CB3B}"/>
+                <a16:creationId xmlns:a16="http://schemas.microsoft.com/office/drawing/2014/main" id="{943C7D4C-E786-E315-032B-4522EE8992F2}"/>
               </a:ext>
             </a:extLst>
           </p:cNvPr>
@@ -1659,7 +1659,7 @@
           <p:cNvPr id="5" name="文本占位符 4">
             <a:extLst>
               <a:ext uri="{FF2B5EF4-FFF2-40B4-BE49-F238E27FC236}">
-                <a16:creationId xmlns:a16="http://schemas.microsoft.com/office/drawing/2014/main" id="{E13AA6E4-E7A4-3F0C-65B8-4338BD608DAB}"/>
+                <a16:creationId xmlns:a16="http://schemas.microsoft.com/office/drawing/2014/main" id="{42BB006F-EACB-E867-18F5-273A7BE01382}"/>
               </a:ext>
             </a:extLst>
           </p:cNvPr>
@@ -1730,7 +1730,7 @@
           <p:cNvPr id="6" name="内容占位符 5">
             <a:extLst>
               <a:ext uri="{FF2B5EF4-FFF2-40B4-BE49-F238E27FC236}">
-                <a16:creationId xmlns:a16="http://schemas.microsoft.com/office/drawing/2014/main" id="{B9958E80-F811-918D-4FD6-5DFCDB8C6A76}"/>
+                <a16:creationId xmlns:a16="http://schemas.microsoft.com/office/drawing/2014/main" id="{9EB7AD94-2D55-D12E-2D5D-4AED008A432F}"/>
               </a:ext>
             </a:extLst>
           </p:cNvPr>
@@ -1792,7 +1792,7 @@
           <p:cNvPr id="7" name="日期占位符 6">
             <a:extLst>
               <a:ext uri="{FF2B5EF4-FFF2-40B4-BE49-F238E27FC236}">
-                <a16:creationId xmlns:a16="http://schemas.microsoft.com/office/drawing/2014/main" id="{B76C74CC-B328-597C-566C-FAA6F885E333}"/>
+                <a16:creationId xmlns:a16="http://schemas.microsoft.com/office/drawing/2014/main" id="{65F923B4-765E-97AC-430B-ABC0C9F3AC6C}"/>
               </a:ext>
             </a:extLst>
           </p:cNvPr>
@@ -1808,7 +1808,7 @@
           <a:bodyPr/>
           <a:lstStyle/>
           <a:p>
-            <a:fld id="{2587D383-6CA6-4CFA-B05F-C47A87169093}" type="datetimeFigureOut">
+            <a:fld id="{A8B7B23F-72D3-43F8-B52F-9BDB2EAF2B0E}" type="datetimeFigureOut">
               <a:rPr lang="zh-CN" altLang="en-US" smtClean="0"/>
               <a:t>2024/3/10</a:t>
             </a:fld>
@@ -1821,7 +1821,7 @@
           <p:cNvPr id="8" name="页脚占位符 7">
             <a:extLst>
               <a:ext uri="{FF2B5EF4-FFF2-40B4-BE49-F238E27FC236}">
-                <a16:creationId xmlns:a16="http://schemas.microsoft.com/office/drawing/2014/main" id="{DC8DD4B4-386A-F33E-A3C0-1700CB69BE81}"/>
+                <a16:creationId xmlns:a16="http://schemas.microsoft.com/office/drawing/2014/main" id="{7982BB1D-2676-251C-A8F9-6C10BB03F45D}"/>
               </a:ext>
             </a:extLst>
           </p:cNvPr>
@@ -1846,7 +1846,7 @@
           <p:cNvPr id="9" name="灯片编号占位符 8">
             <a:extLst>
               <a:ext uri="{FF2B5EF4-FFF2-40B4-BE49-F238E27FC236}">
-                <a16:creationId xmlns:a16="http://schemas.microsoft.com/office/drawing/2014/main" id="{26036B1F-AF4E-FE0E-D53A-821647119B92}"/>
+                <a16:creationId xmlns:a16="http://schemas.microsoft.com/office/drawing/2014/main" id="{1AE40EDE-B56E-3D9C-3305-59AA5ACC1319}"/>
               </a:ext>
             </a:extLst>
           </p:cNvPr>
@@ -1862,7 +1862,7 @@
           <a:bodyPr/>
           <a:lstStyle/>
           <a:p>
-            <a:fld id="{DD75B309-9757-474B-8E2D-60DAE7788604}" type="slidenum">
+            <a:fld id="{B7A5AEC7-45EF-4AF5-B61B-C755C77E45B1}" type="slidenum">
               <a:rPr lang="zh-CN" altLang="en-US" smtClean="0"/>
               <a:t>‹#›</a:t>
             </a:fld>
@@ -1873,7 +1873,7 @@
     </p:spTree>
     <p:extLst>
       <p:ext uri="{BB962C8B-B14F-4D97-AF65-F5344CB8AC3E}">
-        <p14:creationId xmlns:p14="http://schemas.microsoft.com/office/powerpoint/2010/main" val="2887964464"/>
+        <p14:creationId xmlns:p14="http://schemas.microsoft.com/office/powerpoint/2010/main" val="1388507712"/>
       </p:ext>
     </p:extLst>
   </p:cSld>
@@ -1905,7 +1905,7 @@
           <p:cNvPr id="2" name="标题 1">
             <a:extLst>
               <a:ext uri="{FF2B5EF4-FFF2-40B4-BE49-F238E27FC236}">
-                <a16:creationId xmlns:a16="http://schemas.microsoft.com/office/drawing/2014/main" id="{24D31DE3-A479-933C-4423-BDF4BA9DB091}"/>
+                <a16:creationId xmlns:a16="http://schemas.microsoft.com/office/drawing/2014/main" id="{B816510B-8377-940A-01DC-4AAF459D3C46}"/>
               </a:ext>
             </a:extLst>
           </p:cNvPr>
@@ -1933,7 +1933,7 @@
           <p:cNvPr id="3" name="日期占位符 2">
             <a:extLst>
               <a:ext uri="{FF2B5EF4-FFF2-40B4-BE49-F238E27FC236}">
-                <a16:creationId xmlns:a16="http://schemas.microsoft.com/office/drawing/2014/main" id="{A99DCBE2-CA04-E1AA-7A43-AD95A3E3BA50}"/>
+                <a16:creationId xmlns:a16="http://schemas.microsoft.com/office/drawing/2014/main" id="{E477FD27-D1EE-0E53-BCC4-DF93F57AD51A}"/>
               </a:ext>
             </a:extLst>
           </p:cNvPr>
@@ -1949,7 +1949,7 @@
           <a:bodyPr/>
           <a:lstStyle/>
           <a:p>
-            <a:fld id="{2587D383-6CA6-4CFA-B05F-C47A87169093}" type="datetimeFigureOut">
+            <a:fld id="{A8B7B23F-72D3-43F8-B52F-9BDB2EAF2B0E}" type="datetimeFigureOut">
               <a:rPr lang="zh-CN" altLang="en-US" smtClean="0"/>
               <a:t>2024/3/10</a:t>
             </a:fld>
@@ -1962,7 +1962,7 @@
           <p:cNvPr id="4" name="页脚占位符 3">
             <a:extLst>
               <a:ext uri="{FF2B5EF4-FFF2-40B4-BE49-F238E27FC236}">
-                <a16:creationId xmlns:a16="http://schemas.microsoft.com/office/drawing/2014/main" id="{353FF09B-8BF1-6B3F-232F-D76F6D1B0A1E}"/>
+                <a16:creationId xmlns:a16="http://schemas.microsoft.com/office/drawing/2014/main" id="{C6FB21D7-E696-7206-DE50-CBAEBADB8119}"/>
               </a:ext>
             </a:extLst>
           </p:cNvPr>
@@ -1987,7 +1987,7 @@
           <p:cNvPr id="5" name="灯片编号占位符 4">
             <a:extLst>
               <a:ext uri="{FF2B5EF4-FFF2-40B4-BE49-F238E27FC236}">
-                <a16:creationId xmlns:a16="http://schemas.microsoft.com/office/drawing/2014/main" id="{8CFC7EBA-AA80-18CB-0A91-7C19DEFEFFF2}"/>
+                <a16:creationId xmlns:a16="http://schemas.microsoft.com/office/drawing/2014/main" id="{05D5767C-B1E9-2FAD-FA43-D00BA5DB3398}"/>
               </a:ext>
             </a:extLst>
           </p:cNvPr>
@@ -2003,7 +2003,7 @@
           <a:bodyPr/>
           <a:lstStyle/>
           <a:p>
-            <a:fld id="{DD75B309-9757-474B-8E2D-60DAE7788604}" type="slidenum">
+            <a:fld id="{B7A5AEC7-45EF-4AF5-B61B-C755C77E45B1}" type="slidenum">
               <a:rPr lang="zh-CN" altLang="en-US" smtClean="0"/>
               <a:t>‹#›</a:t>
             </a:fld>
@@ -2014,7 +2014,7 @@
     </p:spTree>
     <p:extLst>
       <p:ext uri="{BB962C8B-B14F-4D97-AF65-F5344CB8AC3E}">
-        <p14:creationId xmlns:p14="http://schemas.microsoft.com/office/powerpoint/2010/main" val="83885725"/>
+        <p14:creationId xmlns:p14="http://schemas.microsoft.com/office/powerpoint/2010/main" val="1639069365"/>
       </p:ext>
     </p:extLst>
   </p:cSld>
@@ -2046,7 +2046,7 @@
           <p:cNvPr id="2" name="日期占位符 1">
             <a:extLst>
               <a:ext uri="{FF2B5EF4-FFF2-40B4-BE49-F238E27FC236}">
-                <a16:creationId xmlns:a16="http://schemas.microsoft.com/office/drawing/2014/main" id="{28E380AE-9389-26B0-B8E7-DD10F41BD8AA}"/>
+                <a16:creationId xmlns:a16="http://schemas.microsoft.com/office/drawing/2014/main" id="{13B5E602-DEBF-8437-68ED-68E1B458A692}"/>
               </a:ext>
             </a:extLst>
           </p:cNvPr>
@@ -2062,7 +2062,7 @@
           <a:bodyPr/>
           <a:lstStyle/>
           <a:p>
-            <a:fld id="{2587D383-6CA6-4CFA-B05F-C47A87169093}" type="datetimeFigureOut">
+            <a:fld id="{A8B7B23F-72D3-43F8-B52F-9BDB2EAF2B0E}" type="datetimeFigureOut">
               <a:rPr lang="zh-CN" altLang="en-US" smtClean="0"/>
               <a:t>2024/3/10</a:t>
             </a:fld>
@@ -2075,7 +2075,7 @@
           <p:cNvPr id="3" name="页脚占位符 2">
             <a:extLst>
               <a:ext uri="{FF2B5EF4-FFF2-40B4-BE49-F238E27FC236}">
-                <a16:creationId xmlns:a16="http://schemas.microsoft.com/office/drawing/2014/main" id="{F919F780-4BEB-5D78-37F1-FC9B7429020D}"/>
+                <a16:creationId xmlns:a16="http://schemas.microsoft.com/office/drawing/2014/main" id="{F068E132-A60D-FA17-DEFE-60FB57B3FE07}"/>
               </a:ext>
             </a:extLst>
           </p:cNvPr>
@@ -2100,7 +2100,7 @@
           <p:cNvPr id="4" name="灯片编号占位符 3">
             <a:extLst>
               <a:ext uri="{FF2B5EF4-FFF2-40B4-BE49-F238E27FC236}">
-                <a16:creationId xmlns:a16="http://schemas.microsoft.com/office/drawing/2014/main" id="{36865690-DAD1-AAF5-9A3B-34BA00F3691B}"/>
+                <a16:creationId xmlns:a16="http://schemas.microsoft.com/office/drawing/2014/main" id="{83DC691A-C87B-395A-F29C-6DBFC1FE1B0E}"/>
               </a:ext>
             </a:extLst>
           </p:cNvPr>
@@ -2116,7 +2116,7 @@
           <a:bodyPr/>
           <a:lstStyle/>
           <a:p>
-            <a:fld id="{DD75B309-9757-474B-8E2D-60DAE7788604}" type="slidenum">
+            <a:fld id="{B7A5AEC7-45EF-4AF5-B61B-C755C77E45B1}" type="slidenum">
               <a:rPr lang="zh-CN" altLang="en-US" smtClean="0"/>
               <a:t>‹#›</a:t>
             </a:fld>
@@ -2127,7 +2127,7 @@
     </p:spTree>
     <p:extLst>
       <p:ext uri="{BB962C8B-B14F-4D97-AF65-F5344CB8AC3E}">
-        <p14:creationId xmlns:p14="http://schemas.microsoft.com/office/powerpoint/2010/main" val="1514033417"/>
+        <p14:creationId xmlns:p14="http://schemas.microsoft.com/office/powerpoint/2010/main" val="2305030083"/>
       </p:ext>
     </p:extLst>
   </p:cSld>
@@ -2159,7 +2159,7 @@
           <p:cNvPr id="2" name="标题 1">
             <a:extLst>
               <a:ext uri="{FF2B5EF4-FFF2-40B4-BE49-F238E27FC236}">
-                <a16:creationId xmlns:a16="http://schemas.microsoft.com/office/drawing/2014/main" id="{F2F71236-2C6E-12C6-69C8-D7D318FFB8F2}"/>
+                <a16:creationId xmlns:a16="http://schemas.microsoft.com/office/drawing/2014/main" id="{972BB4F8-A752-1423-5865-A66368359C01}"/>
               </a:ext>
             </a:extLst>
           </p:cNvPr>
@@ -2196,7 +2196,7 @@
           <p:cNvPr id="3" name="内容占位符 2">
             <a:extLst>
               <a:ext uri="{FF2B5EF4-FFF2-40B4-BE49-F238E27FC236}">
-                <a16:creationId xmlns:a16="http://schemas.microsoft.com/office/drawing/2014/main" id="{A9DBA743-E095-57FA-E747-6B4093A56EBB}"/>
+                <a16:creationId xmlns:a16="http://schemas.microsoft.com/office/drawing/2014/main" id="{A7A5B7B5-BFD5-ECCC-9A2C-C5A5A5A872C0}"/>
               </a:ext>
             </a:extLst>
           </p:cNvPr>
@@ -2286,7 +2286,7 @@
           <p:cNvPr id="4" name="文本占位符 3">
             <a:extLst>
               <a:ext uri="{FF2B5EF4-FFF2-40B4-BE49-F238E27FC236}">
-                <a16:creationId xmlns:a16="http://schemas.microsoft.com/office/drawing/2014/main" id="{A84ACAFB-CBB6-75DC-B325-A0B74349F73A}"/>
+                <a16:creationId xmlns:a16="http://schemas.microsoft.com/office/drawing/2014/main" id="{162074FC-9B45-09E2-FC4E-D266061DD448}"/>
               </a:ext>
             </a:extLst>
           </p:cNvPr>
@@ -2357,7 +2357,7 @@
           <p:cNvPr id="5" name="日期占位符 4">
             <a:extLst>
               <a:ext uri="{FF2B5EF4-FFF2-40B4-BE49-F238E27FC236}">
-                <a16:creationId xmlns:a16="http://schemas.microsoft.com/office/drawing/2014/main" id="{61EB5156-2341-C4CA-5AC1-06F1697603DC}"/>
+                <a16:creationId xmlns:a16="http://schemas.microsoft.com/office/drawing/2014/main" id="{C4845334-C339-A384-B267-BA75E35B76A3}"/>
               </a:ext>
             </a:extLst>
           </p:cNvPr>
@@ -2373,7 +2373,7 @@
           <a:bodyPr/>
           <a:lstStyle/>
           <a:p>
-            <a:fld id="{2587D383-6CA6-4CFA-B05F-C47A87169093}" type="datetimeFigureOut">
+            <a:fld id="{A8B7B23F-72D3-43F8-B52F-9BDB2EAF2B0E}" type="datetimeFigureOut">
               <a:rPr lang="zh-CN" altLang="en-US" smtClean="0"/>
               <a:t>2024/3/10</a:t>
             </a:fld>
@@ -2386,7 +2386,7 @@
           <p:cNvPr id="6" name="页脚占位符 5">
             <a:extLst>
               <a:ext uri="{FF2B5EF4-FFF2-40B4-BE49-F238E27FC236}">
-                <a16:creationId xmlns:a16="http://schemas.microsoft.com/office/drawing/2014/main" id="{0A402790-80F5-D0A7-C006-5F1F1C114A2C}"/>
+                <a16:creationId xmlns:a16="http://schemas.microsoft.com/office/drawing/2014/main" id="{F9220C43-1E94-68C5-FB11-E8840CC2AA35}"/>
               </a:ext>
             </a:extLst>
           </p:cNvPr>
@@ -2411,7 +2411,7 @@
           <p:cNvPr id="7" name="灯片编号占位符 6">
             <a:extLst>
               <a:ext uri="{FF2B5EF4-FFF2-40B4-BE49-F238E27FC236}">
-                <a16:creationId xmlns:a16="http://schemas.microsoft.com/office/drawing/2014/main" id="{67A88F34-A5DD-056E-00EE-49B3450F0052}"/>
+                <a16:creationId xmlns:a16="http://schemas.microsoft.com/office/drawing/2014/main" id="{B26DA62B-DEB8-E7A5-AA76-034176632360}"/>
               </a:ext>
             </a:extLst>
           </p:cNvPr>
@@ -2427,7 +2427,7 @@
           <a:bodyPr/>
           <a:lstStyle/>
           <a:p>
-            <a:fld id="{DD75B309-9757-474B-8E2D-60DAE7788604}" type="slidenum">
+            <a:fld id="{B7A5AEC7-45EF-4AF5-B61B-C755C77E45B1}" type="slidenum">
               <a:rPr lang="zh-CN" altLang="en-US" smtClean="0"/>
               <a:t>‹#›</a:t>
             </a:fld>
@@ -2438,7 +2438,7 @@
     </p:spTree>
     <p:extLst>
       <p:ext uri="{BB962C8B-B14F-4D97-AF65-F5344CB8AC3E}">
-        <p14:creationId xmlns:p14="http://schemas.microsoft.com/office/powerpoint/2010/main" val="315855283"/>
+        <p14:creationId xmlns:p14="http://schemas.microsoft.com/office/powerpoint/2010/main" val="4101571387"/>
       </p:ext>
     </p:extLst>
   </p:cSld>
@@ -2470,7 +2470,7 @@
           <p:cNvPr id="2" name="标题 1">
             <a:extLst>
               <a:ext uri="{FF2B5EF4-FFF2-40B4-BE49-F238E27FC236}">
-                <a16:creationId xmlns:a16="http://schemas.microsoft.com/office/drawing/2014/main" id="{B0E46032-77AA-D840-B600-938CAD96EE3A}"/>
+                <a16:creationId xmlns:a16="http://schemas.microsoft.com/office/drawing/2014/main" id="{605CCA28-CCFA-5E7B-080E-7044878330FD}"/>
               </a:ext>
             </a:extLst>
           </p:cNvPr>
@@ -2507,7 +2507,7 @@
           <p:cNvPr id="3" name="图片占位符 2">
             <a:extLst>
               <a:ext uri="{FF2B5EF4-FFF2-40B4-BE49-F238E27FC236}">
-                <a16:creationId xmlns:a16="http://schemas.microsoft.com/office/drawing/2014/main" id="{51472F50-13A8-D66F-7A8C-9B8C6F5132AF}"/>
+                <a16:creationId xmlns:a16="http://schemas.microsoft.com/office/drawing/2014/main" id="{3586CE7E-AF8F-4935-11EC-893B2CC39E6A}"/>
               </a:ext>
             </a:extLst>
           </p:cNvPr>
@@ -2574,7 +2574,7 @@
           <p:cNvPr id="4" name="文本占位符 3">
             <a:extLst>
               <a:ext uri="{FF2B5EF4-FFF2-40B4-BE49-F238E27FC236}">
-                <a16:creationId xmlns:a16="http://schemas.microsoft.com/office/drawing/2014/main" id="{9EBA199E-A0FF-57D5-D1A2-071B65DA8714}"/>
+                <a16:creationId xmlns:a16="http://schemas.microsoft.com/office/drawing/2014/main" id="{461E34EF-11B7-DC19-7ABD-D06D668DA0CF}"/>
               </a:ext>
             </a:extLst>
           </p:cNvPr>
@@ -2645,7 +2645,7 @@
           <p:cNvPr id="5" name="日期占位符 4">
             <a:extLst>
               <a:ext uri="{FF2B5EF4-FFF2-40B4-BE49-F238E27FC236}">
-                <a16:creationId xmlns:a16="http://schemas.microsoft.com/office/drawing/2014/main" id="{92BCE52C-21F2-7366-2D5B-847AEC2CD67E}"/>
+                <a16:creationId xmlns:a16="http://schemas.microsoft.com/office/drawing/2014/main" id="{613ABAAB-4492-3256-0D34-AD221C2ACA1A}"/>
               </a:ext>
             </a:extLst>
           </p:cNvPr>
@@ -2661,7 +2661,7 @@
           <a:bodyPr/>
           <a:lstStyle/>
           <a:p>
-            <a:fld id="{2587D383-6CA6-4CFA-B05F-C47A87169093}" type="datetimeFigureOut">
+            <a:fld id="{A8B7B23F-72D3-43F8-B52F-9BDB2EAF2B0E}" type="datetimeFigureOut">
               <a:rPr lang="zh-CN" altLang="en-US" smtClean="0"/>
               <a:t>2024/3/10</a:t>
             </a:fld>
@@ -2674,7 +2674,7 @@
           <p:cNvPr id="6" name="页脚占位符 5">
             <a:extLst>
               <a:ext uri="{FF2B5EF4-FFF2-40B4-BE49-F238E27FC236}">
-                <a16:creationId xmlns:a16="http://schemas.microsoft.com/office/drawing/2014/main" id="{10D64023-14AE-108D-124A-814DA676E366}"/>
+                <a16:creationId xmlns:a16="http://schemas.microsoft.com/office/drawing/2014/main" id="{4EDD228F-E7CD-7D66-060A-66506D1900C7}"/>
               </a:ext>
             </a:extLst>
           </p:cNvPr>
@@ -2699,7 +2699,7 @@
           <p:cNvPr id="7" name="灯片编号占位符 6">
             <a:extLst>
               <a:ext uri="{FF2B5EF4-FFF2-40B4-BE49-F238E27FC236}">
-                <a16:creationId xmlns:a16="http://schemas.microsoft.com/office/drawing/2014/main" id="{5D731EF7-7D35-AF21-B5D0-948E348C6787}"/>
+                <a16:creationId xmlns:a16="http://schemas.microsoft.com/office/drawing/2014/main" id="{3D137E6C-3A2D-543A-954F-111DD7AA1FF3}"/>
               </a:ext>
             </a:extLst>
           </p:cNvPr>
@@ -2715,7 +2715,7 @@
           <a:bodyPr/>
           <a:lstStyle/>
           <a:p>
-            <a:fld id="{DD75B309-9757-474B-8E2D-60DAE7788604}" type="slidenum">
+            <a:fld id="{B7A5AEC7-45EF-4AF5-B61B-C755C77E45B1}" type="slidenum">
               <a:rPr lang="zh-CN" altLang="en-US" smtClean="0"/>
               <a:t>‹#›</a:t>
             </a:fld>
@@ -2726,7 +2726,7 @@
     </p:spTree>
     <p:extLst>
       <p:ext uri="{BB962C8B-B14F-4D97-AF65-F5344CB8AC3E}">
-        <p14:creationId xmlns:p14="http://schemas.microsoft.com/office/powerpoint/2010/main" val="3017263244"/>
+        <p14:creationId xmlns:p14="http://schemas.microsoft.com/office/powerpoint/2010/main" val="1918580640"/>
       </p:ext>
     </p:extLst>
   </p:cSld>
@@ -2763,7 +2763,7 @@
           <p:cNvPr id="2" name="标题占位符 1">
             <a:extLst>
               <a:ext uri="{FF2B5EF4-FFF2-40B4-BE49-F238E27FC236}">
-                <a16:creationId xmlns:a16="http://schemas.microsoft.com/office/drawing/2014/main" id="{3210F67F-7826-0101-BF1E-B649D0AB70EC}"/>
+                <a16:creationId xmlns:a16="http://schemas.microsoft.com/office/drawing/2014/main" id="{FBB5A54D-B2D9-A5DE-A4D4-D314DA0C0F1C}"/>
               </a:ext>
             </a:extLst>
           </p:cNvPr>
@@ -2801,7 +2801,7 @@
           <p:cNvPr id="3" name="文本占位符 2">
             <a:extLst>
               <a:ext uri="{FF2B5EF4-FFF2-40B4-BE49-F238E27FC236}">
-                <a16:creationId xmlns:a16="http://schemas.microsoft.com/office/drawing/2014/main" id="{7E070BAF-5D9D-D131-5886-73BD7D6EF3F6}"/>
+                <a16:creationId xmlns:a16="http://schemas.microsoft.com/office/drawing/2014/main" id="{D0FB88F8-1E64-230D-9701-B3A71BC0468B}"/>
               </a:ext>
             </a:extLst>
           </p:cNvPr>
@@ -2868,7 +2868,7 @@
           <p:cNvPr id="4" name="日期占位符 3">
             <a:extLst>
               <a:ext uri="{FF2B5EF4-FFF2-40B4-BE49-F238E27FC236}">
-                <a16:creationId xmlns:a16="http://schemas.microsoft.com/office/drawing/2014/main" id="{C64B9BA5-F82E-4165-71EC-C96A14E65850}"/>
+                <a16:creationId xmlns:a16="http://schemas.microsoft.com/office/drawing/2014/main" id="{A7808FE3-BA64-3D04-E321-A996C00679E1}"/>
               </a:ext>
             </a:extLst>
           </p:cNvPr>
@@ -2902,7 +2902,7 @@
             </a:lvl1pPr>
           </a:lstStyle>
           <a:p>
-            <a:fld id="{2587D383-6CA6-4CFA-B05F-C47A87169093}" type="datetimeFigureOut">
+            <a:fld id="{A8B7B23F-72D3-43F8-B52F-9BDB2EAF2B0E}" type="datetimeFigureOut">
               <a:rPr lang="zh-CN" altLang="en-US" smtClean="0"/>
               <a:t>2024/3/10</a:t>
             </a:fld>
@@ -2915,7 +2915,7 @@
           <p:cNvPr id="5" name="页脚占位符 4">
             <a:extLst>
               <a:ext uri="{FF2B5EF4-FFF2-40B4-BE49-F238E27FC236}">
-                <a16:creationId xmlns:a16="http://schemas.microsoft.com/office/drawing/2014/main" id="{10FAFE10-2A25-75ED-5A8C-4D662AA64F7B}"/>
+                <a16:creationId xmlns:a16="http://schemas.microsoft.com/office/drawing/2014/main" id="{13433F28-04E6-FC70-018A-C4168BAFA45B}"/>
               </a:ext>
             </a:extLst>
           </p:cNvPr>
@@ -2958,7 +2958,7 @@
           <p:cNvPr id="6" name="灯片编号占位符 5">
             <a:extLst>
               <a:ext uri="{FF2B5EF4-FFF2-40B4-BE49-F238E27FC236}">
-                <a16:creationId xmlns:a16="http://schemas.microsoft.com/office/drawing/2014/main" id="{E0C5F4BB-0D56-E87C-BA19-130C3FA12587}"/>
+                <a16:creationId xmlns:a16="http://schemas.microsoft.com/office/drawing/2014/main" id="{7A634F20-22AF-81D4-2BEF-900042A005C9}"/>
               </a:ext>
             </a:extLst>
           </p:cNvPr>
@@ -2992,7 +2992,7 @@
             </a:lvl1pPr>
           </a:lstStyle>
           <a:p>
-            <a:fld id="{DD75B309-9757-474B-8E2D-60DAE7788604}" type="slidenum">
+            <a:fld id="{B7A5AEC7-45EF-4AF5-B61B-C755C77E45B1}" type="slidenum">
               <a:rPr lang="zh-CN" altLang="en-US" smtClean="0"/>
               <a:t>‹#›</a:t>
             </a:fld>
@@ -3003,7 +3003,7 @@
     </p:spTree>
     <p:extLst>
       <p:ext uri="{BB962C8B-B14F-4D97-AF65-F5344CB8AC3E}">
-        <p14:creationId xmlns:p14="http://schemas.microsoft.com/office/powerpoint/2010/main" val="1089464361"/>
+        <p14:creationId xmlns:p14="http://schemas.microsoft.com/office/powerpoint/2010/main" val="1324583060"/>
       </p:ext>
     </p:extLst>
   </p:cSld>
